--- a/(生命聖詩65)美哉主耶穌.pptx
+++ b/(生命聖詩65)美哉主耶穌.pptx
@@ -10,7 +10,7 @@
     <p:sldId id="258" r:id="rId4"/>
     <p:sldId id="259" r:id="rId5"/>
   </p:sldIdLst>
-  <p:sldSz cx="9144000" cy="6858000" type="screen4x3"/>
+  <p:sldSz cx="9144000" cy="5143500" type="screen16x9"/>
   <p:notesSz cx="6858000" cy="9144000"/>
   <p:defaultTextStyle>
     <a:defPPr>
@@ -139,8 +139,8 @@
         </p:nvSpPr>
         <p:spPr>
           <a:xfrm>
-            <a:off x="685800" y="2130425"/>
-            <a:ext cx="7772400" cy="1470025"/>
+            <a:off x="685800" y="1597819"/>
+            <a:ext cx="7772400" cy="1102519"/>
           </a:xfrm>
         </p:spPr>
         <p:txBody>
@@ -167,8 +167,8 @@
         </p:nvSpPr>
         <p:spPr>
           <a:xfrm>
-            <a:off x="1371600" y="3886200"/>
-            <a:ext cx="6400800" cy="1752600"/>
+            <a:off x="1371600" y="2914650"/>
+            <a:ext cx="6400800" cy="1314450"/>
           </a:xfrm>
         </p:spPr>
         <p:txBody>
@@ -292,7 +292,7 @@
             <a:fld id="{0F6F0F0B-4893-401A-85C4-47BAE974D6D0}" type="datetimeFigureOut">
               <a:rPr lang="zh-TW" altLang="en-US" smtClean="0"/>
               <a:pPr/>
-              <a:t>2018/12/8</a:t>
+              <a:t>2019/8/3</a:t>
             </a:fld>
             <a:endParaRPr lang="zh-TW" altLang="en-US"/>
           </a:p>
@@ -459,7 +459,7 @@
             <a:fld id="{0F6F0F0B-4893-401A-85C4-47BAE974D6D0}" type="datetimeFigureOut">
               <a:rPr lang="zh-TW" altLang="en-US" smtClean="0"/>
               <a:pPr/>
-              <a:t>2018/12/8</a:t>
+              <a:t>2019/8/3</a:t>
             </a:fld>
             <a:endParaRPr lang="zh-TW" altLang="en-US"/>
           </a:p>
@@ -545,8 +545,8 @@
         </p:nvSpPr>
         <p:spPr>
           <a:xfrm>
-            <a:off x="6629400" y="274638"/>
-            <a:ext cx="2057400" cy="5851525"/>
+            <a:off x="6629400" y="205979"/>
+            <a:ext cx="2057400" cy="4388644"/>
           </a:xfrm>
         </p:spPr>
         <p:txBody>
@@ -573,8 +573,8 @@
         </p:nvSpPr>
         <p:spPr>
           <a:xfrm>
-            <a:off x="457200" y="274638"/>
-            <a:ext cx="6019800" cy="5851525"/>
+            <a:off x="457200" y="205979"/>
+            <a:ext cx="6019800" cy="4388644"/>
           </a:xfrm>
         </p:spPr>
         <p:txBody>
@@ -636,7 +636,7 @@
             <a:fld id="{0F6F0F0B-4893-401A-85C4-47BAE974D6D0}" type="datetimeFigureOut">
               <a:rPr lang="zh-TW" altLang="en-US" smtClean="0"/>
               <a:pPr/>
-              <a:t>2018/12/8</a:t>
+              <a:t>2019/8/3</a:t>
             </a:fld>
             <a:endParaRPr lang="zh-TW" altLang="en-US"/>
           </a:p>
@@ -803,7 +803,7 @@
             <a:fld id="{0F6F0F0B-4893-401A-85C4-47BAE974D6D0}" type="datetimeFigureOut">
               <a:rPr lang="zh-TW" altLang="en-US" smtClean="0"/>
               <a:pPr/>
-              <a:t>2018/12/8</a:t>
+              <a:t>2019/8/3</a:t>
             </a:fld>
             <a:endParaRPr lang="zh-TW" altLang="en-US"/>
           </a:p>
@@ -889,8 +889,8 @@
         </p:nvSpPr>
         <p:spPr>
           <a:xfrm>
-            <a:off x="722313" y="4406900"/>
-            <a:ext cx="7772400" cy="1362075"/>
+            <a:off x="722313" y="3305176"/>
+            <a:ext cx="7772400" cy="1021556"/>
           </a:xfrm>
         </p:spPr>
         <p:txBody>
@@ -921,8 +921,8 @@
         </p:nvSpPr>
         <p:spPr>
           <a:xfrm>
-            <a:off x="722313" y="2906713"/>
-            <a:ext cx="7772400" cy="1500187"/>
+            <a:off x="722313" y="2180035"/>
+            <a:ext cx="7772400" cy="1125140"/>
           </a:xfrm>
         </p:spPr>
         <p:txBody>
@@ -1046,7 +1046,7 @@
             <a:fld id="{0F6F0F0B-4893-401A-85C4-47BAE974D6D0}" type="datetimeFigureOut">
               <a:rPr lang="zh-TW" altLang="en-US" smtClean="0"/>
               <a:pPr/>
-              <a:t>2018/12/8</a:t>
+              <a:t>2019/8/3</a:t>
             </a:fld>
             <a:endParaRPr lang="zh-TW" altLang="en-US"/>
           </a:p>
@@ -1155,8 +1155,8 @@
         </p:nvSpPr>
         <p:spPr>
           <a:xfrm>
-            <a:off x="457200" y="1600200"/>
-            <a:ext cx="4038600" cy="4525963"/>
+            <a:off x="457200" y="1200151"/>
+            <a:ext cx="4038600" cy="3394472"/>
           </a:xfrm>
         </p:spPr>
         <p:txBody>
@@ -1240,8 +1240,8 @@
         </p:nvSpPr>
         <p:spPr>
           <a:xfrm>
-            <a:off x="4648200" y="1600200"/>
-            <a:ext cx="4038600" cy="4525963"/>
+            <a:off x="4648200" y="1200151"/>
+            <a:ext cx="4038600" cy="3394472"/>
           </a:xfrm>
         </p:spPr>
         <p:txBody>
@@ -1331,7 +1331,7 @@
             <a:fld id="{0F6F0F0B-4893-401A-85C4-47BAE974D6D0}" type="datetimeFigureOut">
               <a:rPr lang="zh-TW" altLang="en-US" smtClean="0"/>
               <a:pPr/>
-              <a:t>2018/12/8</a:t>
+              <a:t>2019/8/3</a:t>
             </a:fld>
             <a:endParaRPr lang="zh-TW" altLang="en-US"/>
           </a:p>
@@ -1444,8 +1444,8 @@
         </p:nvSpPr>
         <p:spPr>
           <a:xfrm>
-            <a:off x="457200" y="1535113"/>
-            <a:ext cx="4040188" cy="639762"/>
+            <a:off x="457200" y="1151335"/>
+            <a:ext cx="4040188" cy="479822"/>
           </a:xfrm>
         </p:spPr>
         <p:txBody>
@@ -1509,8 +1509,8 @@
         </p:nvSpPr>
         <p:spPr>
           <a:xfrm>
-            <a:off x="457200" y="2174875"/>
-            <a:ext cx="4040188" cy="3951288"/>
+            <a:off x="457200" y="1631156"/>
+            <a:ext cx="4040188" cy="2963466"/>
           </a:xfrm>
         </p:spPr>
         <p:txBody>
@@ -1594,8 +1594,8 @@
         </p:nvSpPr>
         <p:spPr>
           <a:xfrm>
-            <a:off x="4645025" y="1535113"/>
-            <a:ext cx="4041775" cy="639762"/>
+            <a:off x="4645026" y="1151335"/>
+            <a:ext cx="4041775" cy="479822"/>
           </a:xfrm>
         </p:spPr>
         <p:txBody>
@@ -1659,8 +1659,8 @@
         </p:nvSpPr>
         <p:spPr>
           <a:xfrm>
-            <a:off x="4645025" y="2174875"/>
-            <a:ext cx="4041775" cy="3951288"/>
+            <a:off x="4645026" y="1631156"/>
+            <a:ext cx="4041775" cy="2963466"/>
           </a:xfrm>
         </p:spPr>
         <p:txBody>
@@ -1750,7 +1750,7 @@
             <a:fld id="{0F6F0F0B-4893-401A-85C4-47BAE974D6D0}" type="datetimeFigureOut">
               <a:rPr lang="zh-TW" altLang="en-US" smtClean="0"/>
               <a:pPr/>
-              <a:t>2018/12/8</a:t>
+              <a:t>2019/8/3</a:t>
             </a:fld>
             <a:endParaRPr lang="zh-TW" altLang="en-US"/>
           </a:p>
@@ -1865,7 +1865,7 @@
             <a:fld id="{0F6F0F0B-4893-401A-85C4-47BAE974D6D0}" type="datetimeFigureOut">
               <a:rPr lang="zh-TW" altLang="en-US" smtClean="0"/>
               <a:pPr/>
-              <a:t>2018/12/8</a:t>
+              <a:t>2019/8/3</a:t>
             </a:fld>
             <a:endParaRPr lang="zh-TW" altLang="en-US"/>
           </a:p>
@@ -1957,7 +1957,7 @@
             <a:fld id="{0F6F0F0B-4893-401A-85C4-47BAE974D6D0}" type="datetimeFigureOut">
               <a:rPr lang="zh-TW" altLang="en-US" smtClean="0"/>
               <a:pPr/>
-              <a:t>2018/12/8</a:t>
+              <a:t>2019/8/3</a:t>
             </a:fld>
             <a:endParaRPr lang="zh-TW" altLang="en-US"/>
           </a:p>
@@ -2043,8 +2043,8 @@
         </p:nvSpPr>
         <p:spPr>
           <a:xfrm>
-            <a:off x="457200" y="273050"/>
-            <a:ext cx="3008313" cy="1162050"/>
+            <a:off x="457201" y="204787"/>
+            <a:ext cx="3008313" cy="871538"/>
           </a:xfrm>
         </p:spPr>
         <p:txBody>
@@ -2075,8 +2075,8 @@
         </p:nvSpPr>
         <p:spPr>
           <a:xfrm>
-            <a:off x="3575050" y="273050"/>
-            <a:ext cx="5111750" cy="5853113"/>
+            <a:off x="3575050" y="204788"/>
+            <a:ext cx="5111750" cy="4389835"/>
           </a:xfrm>
         </p:spPr>
         <p:txBody>
@@ -2160,8 +2160,8 @@
         </p:nvSpPr>
         <p:spPr>
           <a:xfrm>
-            <a:off x="457200" y="1435100"/>
-            <a:ext cx="3008313" cy="4691063"/>
+            <a:off x="457201" y="1076326"/>
+            <a:ext cx="3008313" cy="3518297"/>
           </a:xfrm>
         </p:spPr>
         <p:txBody>
@@ -2231,7 +2231,7 @@
             <a:fld id="{0F6F0F0B-4893-401A-85C4-47BAE974D6D0}" type="datetimeFigureOut">
               <a:rPr lang="zh-TW" altLang="en-US" smtClean="0"/>
               <a:pPr/>
-              <a:t>2018/12/8</a:t>
+              <a:t>2019/8/3</a:t>
             </a:fld>
             <a:endParaRPr lang="zh-TW" altLang="en-US"/>
           </a:p>
@@ -2317,8 +2317,8 @@
         </p:nvSpPr>
         <p:spPr>
           <a:xfrm>
-            <a:off x="1792288" y="4800600"/>
-            <a:ext cx="5486400" cy="566738"/>
+            <a:off x="1792288" y="3600450"/>
+            <a:ext cx="5486400" cy="425054"/>
           </a:xfrm>
         </p:spPr>
         <p:txBody>
@@ -2349,8 +2349,8 @@
         </p:nvSpPr>
         <p:spPr>
           <a:xfrm>
-            <a:off x="1792288" y="612775"/>
-            <a:ext cx="5486400" cy="4114800"/>
+            <a:off x="1792288" y="459581"/>
+            <a:ext cx="5486400" cy="3086100"/>
           </a:xfrm>
         </p:spPr>
         <p:txBody>
@@ -2414,8 +2414,8 @@
         </p:nvSpPr>
         <p:spPr>
           <a:xfrm>
-            <a:off x="1792288" y="5367338"/>
-            <a:ext cx="5486400" cy="804862"/>
+            <a:off x="1792288" y="4025503"/>
+            <a:ext cx="5486400" cy="603647"/>
           </a:xfrm>
         </p:spPr>
         <p:txBody>
@@ -2485,7 +2485,7 @@
             <a:fld id="{0F6F0F0B-4893-401A-85C4-47BAE974D6D0}" type="datetimeFigureOut">
               <a:rPr lang="zh-TW" altLang="en-US" smtClean="0"/>
               <a:pPr/>
-              <a:t>2018/12/8</a:t>
+              <a:t>2019/8/3</a:t>
             </a:fld>
             <a:endParaRPr lang="zh-TW" altLang="en-US"/>
           </a:p>
@@ -2581,8 +2581,8 @@
         </p:nvSpPr>
         <p:spPr>
           <a:xfrm>
-            <a:off x="457200" y="274638"/>
-            <a:ext cx="8229600" cy="1143000"/>
+            <a:off x="457200" y="205979"/>
+            <a:ext cx="8229600" cy="857250"/>
           </a:xfrm>
           <a:prstGeom prst="rect">
             <a:avLst/>
@@ -2614,8 +2614,8 @@
         </p:nvSpPr>
         <p:spPr>
           <a:xfrm>
-            <a:off x="457200" y="1600200"/>
-            <a:ext cx="8229600" cy="4525963"/>
+            <a:off x="457200" y="1200151"/>
+            <a:ext cx="8229600" cy="3394472"/>
           </a:xfrm>
           <a:prstGeom prst="rect">
             <a:avLst/>
@@ -2676,8 +2676,8 @@
         </p:nvSpPr>
         <p:spPr>
           <a:xfrm>
-            <a:off x="457200" y="6356350"/>
-            <a:ext cx="2133600" cy="365125"/>
+            <a:off x="457200" y="4767263"/>
+            <a:ext cx="2133600" cy="273844"/>
           </a:xfrm>
           <a:prstGeom prst="rect">
             <a:avLst/>
@@ -2700,7 +2700,7 @@
             <a:fld id="{0F6F0F0B-4893-401A-85C4-47BAE974D6D0}" type="datetimeFigureOut">
               <a:rPr lang="zh-TW" altLang="en-US" smtClean="0"/>
               <a:pPr/>
-              <a:t>2018/12/8</a:t>
+              <a:t>2019/8/3</a:t>
             </a:fld>
             <a:endParaRPr lang="zh-TW" altLang="en-US"/>
           </a:p>
@@ -2718,8 +2718,8 @@
         </p:nvSpPr>
         <p:spPr>
           <a:xfrm>
-            <a:off x="3124200" y="6356350"/>
-            <a:ext cx="2895600" cy="365125"/>
+            <a:off x="3124200" y="4767263"/>
+            <a:ext cx="2895600" cy="273844"/>
           </a:xfrm>
           <a:prstGeom prst="rect">
             <a:avLst/>
@@ -2755,8 +2755,8 @@
         </p:nvSpPr>
         <p:spPr>
           <a:xfrm>
-            <a:off x="6553200" y="6356350"/>
-            <a:ext cx="2133600" cy="365125"/>
+            <a:off x="6553200" y="4767263"/>
+            <a:ext cx="2133600" cy="273844"/>
           </a:xfrm>
           <a:prstGeom prst="rect">
             <a:avLst/>
@@ -3083,11 +3083,13 @@
         </p:nvSpPr>
         <p:spPr/>
         <p:txBody>
-          <a:bodyPr/>
-          <a:lstStyle/>
-          <a:p>
-            <a:r>
-              <a:rPr lang="zh-TW" altLang="en-US" b="1" dirty="0" smtClean="0">
+          <a:bodyPr>
+            <a:normAutofit/>
+          </a:bodyPr>
+          <a:lstStyle/>
+          <a:p>
+            <a:r>
+              <a:rPr lang="zh-TW" altLang="en-US" sz="4000" b="1" dirty="0" smtClean="0">
                 <a:solidFill>
                   <a:srgbClr val="000066"/>
                 </a:solidFill>
@@ -3096,7 +3098,7 @@
               </a:rPr>
               <a:t>美哉主耶穌</a:t>
             </a:r>
-            <a:endParaRPr lang="zh-TW" altLang="en-US" b="1" dirty="0">
+            <a:endParaRPr lang="zh-TW" altLang="en-US" sz="4000" b="1" dirty="0">
               <a:solidFill>
                 <a:srgbClr val="000066"/>
               </a:solidFill>
@@ -3119,7 +3121,7 @@
         <p:spPr/>
         <p:txBody>
           <a:bodyPr>
-            <a:normAutofit/>
+            <a:noAutofit/>
           </a:bodyPr>
           <a:lstStyle/>
           <a:p>
@@ -3127,7 +3129,7 @@
               <a:buNone/>
             </a:pPr>
             <a:r>
-              <a:rPr lang="zh-TW" altLang="en-US" sz="5400" b="1" dirty="0">
+              <a:rPr lang="zh-TW" altLang="en-US" sz="4800" b="1" dirty="0">
                 <a:solidFill>
                   <a:srgbClr val="000066"/>
                 </a:solidFill>
@@ -3137,7 +3139,7 @@
               <a:t>美哉主</a:t>
             </a:r>
             <a:r>
-              <a:rPr lang="zh-TW" altLang="en-US" sz="5400" b="1" dirty="0" smtClean="0">
+              <a:rPr lang="zh-TW" altLang="en-US" sz="4800" b="1" dirty="0" smtClean="0">
                 <a:solidFill>
                   <a:srgbClr val="000066"/>
                 </a:solidFill>
@@ -3147,7 +3149,7 @@
               <a:t>耶穌宇宙</a:t>
             </a:r>
             <a:r>
-              <a:rPr lang="zh-TW" altLang="en-US" sz="5400" b="1" dirty="0">
+              <a:rPr lang="zh-TW" altLang="en-US" sz="4800" b="1" dirty="0">
                 <a:solidFill>
                   <a:srgbClr val="000066"/>
                 </a:solidFill>
@@ -3157,7 +3159,7 @@
               <a:t>萬物</a:t>
             </a:r>
             <a:r>
-              <a:rPr lang="zh-TW" altLang="en-US" sz="5400" b="1" dirty="0" smtClean="0">
+              <a:rPr lang="zh-TW" altLang="en-US" sz="4800" b="1" dirty="0" smtClean="0">
                 <a:solidFill>
                   <a:srgbClr val="000066"/>
                 </a:solidFill>
@@ -3166,7 +3168,7 @@
               </a:rPr>
               <a:t>主宰</a:t>
             </a:r>
-            <a:endParaRPr lang="en-US" altLang="zh-TW" sz="5400" b="1" dirty="0" smtClean="0">
+            <a:endParaRPr lang="en-US" altLang="zh-TW" sz="4800" b="1" dirty="0" smtClean="0">
               <a:solidFill>
                 <a:srgbClr val="000066"/>
               </a:solidFill>
@@ -3179,7 +3181,7 @@
               <a:buNone/>
             </a:pPr>
             <a:r>
-              <a:rPr lang="zh-TW" altLang="en-US" sz="5400" b="1" dirty="0" smtClean="0">
+              <a:rPr lang="zh-TW" altLang="en-US" sz="4800" b="1" dirty="0" smtClean="0">
                 <a:solidFill>
                   <a:srgbClr val="000066"/>
                 </a:solidFill>
@@ -3189,7 +3191,7 @@
               <a:t>真神</a:t>
             </a:r>
             <a:r>
-              <a:rPr lang="zh-TW" altLang="en-US" sz="5400" b="1" dirty="0">
+              <a:rPr lang="zh-TW" altLang="en-US" sz="4800" b="1" dirty="0">
                 <a:solidFill>
                   <a:srgbClr val="000066"/>
                 </a:solidFill>
@@ -3199,7 +3201,7 @@
               <a:t>甘願降世</a:t>
             </a:r>
             <a:r>
-              <a:rPr lang="zh-TW" altLang="en-US" sz="5400" b="1" dirty="0" smtClean="0">
+              <a:rPr lang="zh-TW" altLang="en-US" sz="4800" b="1" dirty="0" smtClean="0">
                 <a:solidFill>
                   <a:srgbClr val="000066"/>
                 </a:solidFill>
@@ -3208,7 +3210,7 @@
               </a:rPr>
               <a:t>為人</a:t>
             </a:r>
-            <a:endParaRPr lang="en-US" altLang="zh-TW" sz="5400" b="1" dirty="0">
+            <a:endParaRPr lang="en-US" altLang="zh-TW" sz="4800" b="1" dirty="0">
               <a:solidFill>
                 <a:srgbClr val="000066"/>
               </a:solidFill>
@@ -3221,7 +3223,7 @@
               <a:buNone/>
             </a:pPr>
             <a:r>
-              <a:rPr lang="zh-TW" altLang="en-US" sz="5400" b="1" dirty="0" smtClean="0">
+              <a:rPr lang="zh-TW" altLang="en-US" sz="4800" b="1" dirty="0" smtClean="0">
                 <a:solidFill>
                   <a:srgbClr val="000066"/>
                 </a:solidFill>
@@ -3231,7 +3233,7 @@
               <a:t>我</a:t>
             </a:r>
             <a:r>
-              <a:rPr lang="zh-TW" altLang="en-US" sz="5400" b="1" dirty="0">
+              <a:rPr lang="zh-TW" altLang="en-US" sz="4800" b="1" dirty="0">
                 <a:solidFill>
                   <a:srgbClr val="000066"/>
                 </a:solidFill>
@@ -3241,7 +3243,7 @@
               <a:t>心所</a:t>
             </a:r>
             <a:r>
-              <a:rPr lang="zh-TW" altLang="en-US" sz="5400" b="1" dirty="0" smtClean="0">
+              <a:rPr lang="zh-TW" altLang="en-US" sz="4800" b="1" dirty="0" smtClean="0">
                 <a:solidFill>
                   <a:srgbClr val="000066"/>
                 </a:solidFill>
@@ -3251,7 +3253,7 @@
               <a:t>景仰  我</a:t>
             </a:r>
             <a:r>
-              <a:rPr lang="zh-TW" altLang="en-US" sz="5400" b="1" dirty="0">
+              <a:rPr lang="zh-TW" altLang="en-US" sz="4800" b="1" dirty="0">
                 <a:solidFill>
                   <a:srgbClr val="000066"/>
                 </a:solidFill>
@@ -3261,7 +3263,7 @@
               <a:t>靈所</a:t>
             </a:r>
             <a:r>
-              <a:rPr lang="zh-TW" altLang="en-US" sz="5400" b="1" dirty="0" smtClean="0">
+              <a:rPr lang="zh-TW" altLang="en-US" sz="4800" b="1" dirty="0" smtClean="0">
                 <a:solidFill>
                   <a:srgbClr val="000066"/>
                 </a:solidFill>
@@ -3270,7 +3272,7 @@
               </a:rPr>
               <a:t>尊崇</a:t>
             </a:r>
-            <a:endParaRPr lang="en-US" altLang="zh-TW" sz="5400" b="1" dirty="0" smtClean="0">
+            <a:endParaRPr lang="en-US" altLang="zh-TW" sz="4800" b="1" dirty="0" smtClean="0">
               <a:solidFill>
                 <a:srgbClr val="000066"/>
               </a:solidFill>
@@ -3283,7 +3285,7 @@
               <a:buNone/>
             </a:pPr>
             <a:r>
-              <a:rPr lang="zh-TW" altLang="en-US" sz="5400" b="1" dirty="0" smtClean="0">
+              <a:rPr lang="zh-TW" altLang="en-US" sz="4800" b="1" dirty="0" smtClean="0">
                 <a:solidFill>
                   <a:srgbClr val="000066"/>
                 </a:solidFill>
@@ -3293,7 +3295,7 @@
               <a:t>是</a:t>
             </a:r>
             <a:r>
-              <a:rPr lang="zh-TW" altLang="en-US" sz="5400" b="1" dirty="0">
+              <a:rPr lang="zh-TW" altLang="en-US" sz="4800" b="1" dirty="0">
                 <a:solidFill>
                   <a:srgbClr val="000066"/>
                 </a:solidFill>
@@ -3303,7 +3305,7 @@
               <a:t>我</a:t>
             </a:r>
             <a:r>
-              <a:rPr lang="zh-TW" altLang="en-US" sz="5400" b="1" dirty="0" smtClean="0">
+              <a:rPr lang="zh-TW" altLang="en-US" sz="4800" b="1" dirty="0" smtClean="0">
                 <a:solidFill>
                   <a:srgbClr val="000066"/>
                 </a:solidFill>
@@ -3312,7 +3314,7 @@
               </a:rPr>
               <a:t>榮耀  冠冕  歡欣</a:t>
             </a:r>
-            <a:endParaRPr lang="zh-TW" altLang="en-US" sz="5400" b="1" dirty="0">
+            <a:endParaRPr lang="zh-TW" altLang="en-US" sz="4800" b="1" dirty="0">
               <a:solidFill>
                 <a:srgbClr val="000066"/>
               </a:solidFill>
@@ -3359,11 +3361,13 @@
         </p:nvSpPr>
         <p:spPr/>
         <p:txBody>
-          <a:bodyPr/>
-          <a:lstStyle/>
-          <a:p>
-            <a:r>
-              <a:rPr lang="zh-TW" altLang="en-US" b="1" dirty="0" smtClean="0">
+          <a:bodyPr>
+            <a:normAutofit/>
+          </a:bodyPr>
+          <a:lstStyle/>
+          <a:p>
+            <a:r>
+              <a:rPr lang="zh-TW" altLang="en-US" sz="4000" b="1" dirty="0">
                 <a:solidFill>
                   <a:srgbClr val="000066"/>
                 </a:solidFill>
@@ -3372,7 +3376,7 @@
               </a:rPr>
               <a:t>美哉主耶穌</a:t>
             </a:r>
-            <a:endParaRPr lang="zh-TW" altLang="en-US" b="1" dirty="0">
+            <a:endParaRPr lang="zh-TW" altLang="en-US" sz="4000" b="1" dirty="0">
               <a:solidFill>
                 <a:srgbClr val="000066"/>
               </a:solidFill>
@@ -3395,7 +3399,7 @@
         <p:spPr/>
         <p:txBody>
           <a:bodyPr>
-            <a:normAutofit/>
+            <a:noAutofit/>
           </a:bodyPr>
           <a:lstStyle/>
           <a:p>
@@ -3403,7 +3407,7 @@
               <a:buNone/>
             </a:pPr>
             <a:r>
-              <a:rPr lang="zh-TW" altLang="en-US" sz="5400" b="1" dirty="0">
+              <a:rPr lang="zh-TW" altLang="en-US" sz="4800" b="1" dirty="0">
                 <a:solidFill>
                   <a:srgbClr val="000066"/>
                 </a:solidFill>
@@ -3413,7 +3417,7 @@
               <a:t>青翠的</a:t>
             </a:r>
             <a:r>
-              <a:rPr lang="zh-TW" altLang="en-US" sz="5400" b="1" dirty="0" smtClean="0">
+              <a:rPr lang="zh-TW" altLang="en-US" sz="4800" b="1" dirty="0">
                 <a:solidFill>
                   <a:srgbClr val="000066"/>
                 </a:solidFill>
@@ -3423,7 +3427,7 @@
               <a:t>草地  森林</a:t>
             </a:r>
             <a:r>
-              <a:rPr lang="zh-TW" altLang="en-US" sz="5400" b="1" dirty="0">
+              <a:rPr lang="zh-TW" altLang="en-US" sz="4800" b="1" dirty="0">
                 <a:solidFill>
                   <a:srgbClr val="000066"/>
                 </a:solidFill>
@@ -3433,7 +3437,7 @@
               <a:t>倍加</a:t>
             </a:r>
             <a:r>
-              <a:rPr lang="zh-TW" altLang="en-US" sz="5400" b="1" dirty="0" smtClean="0">
+              <a:rPr lang="zh-TW" altLang="en-US" sz="4800" b="1" dirty="0">
                 <a:solidFill>
                   <a:srgbClr val="000066"/>
                 </a:solidFill>
@@ -3442,7 +3446,7 @@
               </a:rPr>
               <a:t>美麗</a:t>
             </a:r>
-            <a:endParaRPr lang="en-US" altLang="zh-TW" sz="5400" b="1" dirty="0" smtClean="0">
+            <a:endParaRPr lang="en-US" altLang="zh-TW" sz="4800" b="1" dirty="0">
               <a:solidFill>
                 <a:srgbClr val="000066"/>
               </a:solidFill>
@@ -3455,7 +3459,7 @@
               <a:buNone/>
             </a:pPr>
             <a:r>
-              <a:rPr lang="zh-TW" altLang="en-US" sz="5400" b="1" dirty="0" smtClean="0">
+              <a:rPr lang="zh-TW" altLang="en-US" sz="4800" b="1" dirty="0">
                 <a:solidFill>
                   <a:srgbClr val="000066"/>
                 </a:solidFill>
@@ -3465,7 +3469,7 @@
               <a:t>全都</a:t>
             </a:r>
             <a:r>
-              <a:rPr lang="zh-TW" altLang="en-US" sz="5400" b="1" dirty="0">
+              <a:rPr lang="zh-TW" altLang="en-US" sz="4800" b="1" dirty="0">
                 <a:solidFill>
                   <a:srgbClr val="000066"/>
                 </a:solidFill>
@@ -3475,7 +3479,7 @@
               <a:t>披上彩艷春</a:t>
             </a:r>
             <a:r>
-              <a:rPr lang="zh-TW" altLang="en-US" sz="5400" b="1" dirty="0" smtClean="0">
+              <a:rPr lang="zh-TW" altLang="en-US" sz="4800" b="1" dirty="0">
                 <a:solidFill>
                   <a:srgbClr val="000066"/>
                 </a:solidFill>
@@ -3484,7 +3488,7 @@
               </a:rPr>
               <a:t>衣</a:t>
             </a:r>
-            <a:endParaRPr lang="en-US" altLang="zh-TW" sz="5400" b="1" dirty="0">
+            <a:endParaRPr lang="en-US" altLang="zh-TW" sz="4800" b="1" dirty="0">
               <a:solidFill>
                 <a:srgbClr val="000066"/>
               </a:solidFill>
@@ -3497,7 +3501,7 @@
               <a:buNone/>
             </a:pPr>
             <a:r>
-              <a:rPr lang="zh-TW" altLang="en-US" sz="5400" b="1" dirty="0" smtClean="0">
+              <a:rPr lang="zh-TW" altLang="en-US" sz="4800" b="1" dirty="0">
                 <a:solidFill>
                   <a:srgbClr val="000066"/>
                 </a:solidFill>
@@ -3507,7 +3511,7 @@
               <a:t>耶穌</a:t>
             </a:r>
             <a:r>
-              <a:rPr lang="zh-TW" altLang="en-US" sz="5400" b="1" dirty="0">
+              <a:rPr lang="zh-TW" altLang="en-US" sz="4800" b="1" dirty="0">
                 <a:solidFill>
                   <a:srgbClr val="000066"/>
                 </a:solidFill>
@@ -3517,7 +3521,7 @@
               <a:t>更</a:t>
             </a:r>
             <a:r>
-              <a:rPr lang="zh-TW" altLang="en-US" sz="5400" b="1" dirty="0" smtClean="0">
+              <a:rPr lang="zh-TW" altLang="en-US" sz="4800" b="1" dirty="0">
                 <a:solidFill>
                   <a:srgbClr val="000066"/>
                 </a:solidFill>
@@ -3527,7 +3531,7 @@
               <a:t>美麗  耶穌</a:t>
             </a:r>
             <a:r>
-              <a:rPr lang="zh-TW" altLang="en-US" sz="5400" b="1" dirty="0">
+              <a:rPr lang="zh-TW" altLang="en-US" sz="4800" b="1" dirty="0">
                 <a:solidFill>
                   <a:srgbClr val="000066"/>
                 </a:solidFill>
@@ -3537,7 +3541,7 @@
               <a:t>更</a:t>
             </a:r>
             <a:r>
-              <a:rPr lang="zh-TW" altLang="en-US" sz="5400" b="1" dirty="0" smtClean="0">
+              <a:rPr lang="zh-TW" altLang="en-US" sz="4800" b="1" dirty="0">
                 <a:solidFill>
                   <a:srgbClr val="000066"/>
                 </a:solidFill>
@@ -3546,7 +3550,7 @@
               </a:rPr>
               <a:t>聖潔</a:t>
             </a:r>
-            <a:endParaRPr lang="en-US" altLang="zh-TW" sz="5400" b="1" dirty="0" smtClean="0">
+            <a:endParaRPr lang="en-US" altLang="zh-TW" sz="4800" b="1" dirty="0">
               <a:solidFill>
                 <a:srgbClr val="000066"/>
               </a:solidFill>
@@ -3559,7 +3563,7 @@
               <a:buNone/>
             </a:pPr>
             <a:r>
-              <a:rPr lang="zh-TW" altLang="en-US" sz="5400" b="1" dirty="0" smtClean="0">
+              <a:rPr lang="zh-TW" altLang="en-US" sz="4800" b="1" dirty="0">
                 <a:solidFill>
                   <a:srgbClr val="000066"/>
                 </a:solidFill>
@@ -3569,7 +3573,7 @@
               <a:t>能</a:t>
             </a:r>
             <a:r>
-              <a:rPr lang="zh-TW" altLang="en-US" sz="5400" b="1" dirty="0">
+              <a:rPr lang="zh-TW" altLang="en-US" sz="4800" b="1" dirty="0">
                 <a:solidFill>
                   <a:srgbClr val="000066"/>
                 </a:solidFill>
@@ -3618,11 +3622,13 @@
         </p:nvSpPr>
         <p:spPr/>
         <p:txBody>
-          <a:bodyPr/>
-          <a:lstStyle/>
-          <a:p>
-            <a:r>
-              <a:rPr lang="zh-TW" altLang="en-US" b="1" dirty="0" smtClean="0">
+          <a:bodyPr>
+            <a:normAutofit/>
+          </a:bodyPr>
+          <a:lstStyle/>
+          <a:p>
+            <a:r>
+              <a:rPr lang="zh-TW" altLang="en-US" sz="4000" b="1" dirty="0">
                 <a:solidFill>
                   <a:srgbClr val="000066"/>
                 </a:solidFill>
@@ -3631,7 +3637,7 @@
               </a:rPr>
               <a:t>美哉主耶穌</a:t>
             </a:r>
-            <a:endParaRPr lang="zh-TW" altLang="en-US" b="1" dirty="0">
+            <a:endParaRPr lang="zh-TW" altLang="en-US" sz="4000" b="1" dirty="0">
               <a:solidFill>
                 <a:srgbClr val="000066"/>
               </a:solidFill>
@@ -3654,7 +3660,7 @@
         <p:spPr/>
         <p:txBody>
           <a:bodyPr>
-            <a:normAutofit/>
+            <a:noAutofit/>
           </a:bodyPr>
           <a:lstStyle/>
           <a:p>
@@ -3662,7 +3668,7 @@
               <a:buNone/>
             </a:pPr>
             <a:r>
-              <a:rPr lang="zh-TW" altLang="en-US" sz="5400" b="1" dirty="0">
+              <a:rPr lang="zh-TW" altLang="en-US" sz="4800" b="1" dirty="0">
                 <a:solidFill>
                   <a:srgbClr val="000066"/>
                 </a:solidFill>
@@ -3672,7 +3678,7 @@
               <a:t>明麗的</a:t>
             </a:r>
             <a:r>
-              <a:rPr lang="zh-TW" altLang="en-US" sz="5400" b="1" dirty="0" smtClean="0">
+              <a:rPr lang="zh-TW" altLang="en-US" sz="4800" b="1" dirty="0">
                 <a:solidFill>
                   <a:srgbClr val="000066"/>
                 </a:solidFill>
@@ -3682,7 +3688,7 @@
               <a:t>陽光  月亮</a:t>
             </a:r>
             <a:r>
-              <a:rPr lang="zh-TW" altLang="en-US" sz="5400" b="1" dirty="0">
+              <a:rPr lang="zh-TW" altLang="en-US" sz="4800" b="1" dirty="0">
                 <a:solidFill>
                   <a:srgbClr val="000066"/>
                 </a:solidFill>
@@ -3692,7 +3698,7 @@
               <a:t>倍覺</a:t>
             </a:r>
             <a:r>
-              <a:rPr lang="zh-TW" altLang="en-US" sz="5400" b="1" dirty="0" smtClean="0">
+              <a:rPr lang="zh-TW" altLang="en-US" sz="4800" b="1" dirty="0">
                 <a:solidFill>
                   <a:srgbClr val="000066"/>
                 </a:solidFill>
@@ -3701,7 +3707,7 @@
               </a:rPr>
               <a:t>清朗</a:t>
             </a:r>
-            <a:endParaRPr lang="en-US" altLang="zh-TW" sz="5400" b="1" dirty="0" smtClean="0">
+            <a:endParaRPr lang="en-US" altLang="zh-TW" sz="4800" b="1" dirty="0">
               <a:solidFill>
                 <a:srgbClr val="000066"/>
               </a:solidFill>
@@ -3714,7 +3720,7 @@
               <a:buNone/>
             </a:pPr>
             <a:r>
-              <a:rPr lang="zh-TW" altLang="en-US" sz="5400" b="1" dirty="0" smtClean="0">
+              <a:rPr lang="zh-TW" altLang="en-US" sz="4800" b="1" dirty="0">
                 <a:solidFill>
                   <a:srgbClr val="000066"/>
                 </a:solidFill>
@@ -3724,7 +3730,7 @@
               <a:t>繁星</a:t>
             </a:r>
             <a:r>
-              <a:rPr lang="zh-TW" altLang="en-US" sz="5400" b="1" dirty="0">
+              <a:rPr lang="zh-TW" altLang="en-US" sz="4800" b="1" dirty="0">
                 <a:solidFill>
                   <a:srgbClr val="000066"/>
                 </a:solidFill>
@@ -3734,7 +3740,7 @@
               <a:t>點點燦爛</a:t>
             </a:r>
             <a:r>
-              <a:rPr lang="zh-TW" altLang="en-US" sz="5400" b="1" dirty="0" smtClean="0">
+              <a:rPr lang="zh-TW" altLang="en-US" sz="4800" b="1" dirty="0">
                 <a:solidFill>
                   <a:srgbClr val="000066"/>
                 </a:solidFill>
@@ -3743,7 +3749,7 @@
               </a:rPr>
               <a:t>閃耀</a:t>
             </a:r>
-            <a:endParaRPr lang="en-US" altLang="zh-TW" sz="5400" b="1" dirty="0">
+            <a:endParaRPr lang="en-US" altLang="zh-TW" sz="4800" b="1" dirty="0">
               <a:solidFill>
                 <a:srgbClr val="000066"/>
               </a:solidFill>
@@ -3756,7 +3762,7 @@
               <a:buNone/>
             </a:pPr>
             <a:r>
-              <a:rPr lang="zh-TW" altLang="en-US" sz="5400" b="1" dirty="0" smtClean="0">
+              <a:rPr lang="zh-TW" altLang="en-US" sz="4800" b="1" dirty="0">
                 <a:solidFill>
                   <a:srgbClr val="000066"/>
                 </a:solidFill>
@@ -3766,7 +3772,7 @@
               <a:t>耶穌</a:t>
             </a:r>
             <a:r>
-              <a:rPr lang="zh-TW" altLang="en-US" sz="5400" b="1" dirty="0">
+              <a:rPr lang="zh-TW" altLang="en-US" sz="4800" b="1" dirty="0">
                 <a:solidFill>
                   <a:srgbClr val="000066"/>
                 </a:solidFill>
@@ -3776,7 +3782,7 @@
               <a:t>更</a:t>
             </a:r>
             <a:r>
-              <a:rPr lang="zh-TW" altLang="en-US" sz="5400" b="1" dirty="0" smtClean="0">
+              <a:rPr lang="zh-TW" altLang="en-US" sz="4800" b="1" dirty="0">
                 <a:solidFill>
                   <a:srgbClr val="000066"/>
                 </a:solidFill>
@@ -3786,7 +3792,7 @@
               <a:t>輝煌  耶穌</a:t>
             </a:r>
             <a:r>
-              <a:rPr lang="zh-TW" altLang="en-US" sz="5400" b="1" dirty="0">
+              <a:rPr lang="zh-TW" altLang="en-US" sz="4800" b="1" dirty="0">
                 <a:solidFill>
                   <a:srgbClr val="000066"/>
                 </a:solidFill>
@@ -3796,7 +3802,7 @@
               <a:t>更</a:t>
             </a:r>
             <a:r>
-              <a:rPr lang="zh-TW" altLang="en-US" sz="5400" b="1" dirty="0" smtClean="0">
+              <a:rPr lang="zh-TW" altLang="en-US" sz="4800" b="1" dirty="0">
                 <a:solidFill>
                   <a:srgbClr val="000066"/>
                 </a:solidFill>
@@ -3805,7 +3811,7 @@
               </a:rPr>
               <a:t>皎潔</a:t>
             </a:r>
-            <a:endParaRPr lang="en-US" altLang="zh-TW" sz="5400" b="1" dirty="0" smtClean="0">
+            <a:endParaRPr lang="en-US" altLang="zh-TW" sz="4800" b="1" dirty="0">
               <a:solidFill>
                 <a:srgbClr val="000066"/>
               </a:solidFill>
@@ -3818,7 +3824,7 @@
               <a:buNone/>
             </a:pPr>
             <a:r>
-              <a:rPr lang="zh-TW" altLang="en-US" sz="5400" b="1" dirty="0" smtClean="0">
+              <a:rPr lang="zh-TW" altLang="en-US" sz="4800" b="1" dirty="0">
                 <a:solidFill>
                   <a:srgbClr val="000066"/>
                 </a:solidFill>
@@ -3828,7 +3834,7 @@
               <a:t>天使</a:t>
             </a:r>
             <a:r>
-              <a:rPr lang="zh-TW" altLang="en-US" sz="5400" b="1" dirty="0">
+              <a:rPr lang="zh-TW" altLang="en-US" sz="4800" b="1" dirty="0">
                 <a:solidFill>
                   <a:srgbClr val="000066"/>
                 </a:solidFill>
@@ -3877,11 +3883,13 @@
         </p:nvSpPr>
         <p:spPr/>
         <p:txBody>
-          <a:bodyPr/>
-          <a:lstStyle/>
-          <a:p>
-            <a:r>
-              <a:rPr lang="zh-TW" altLang="en-US" b="1" dirty="0" smtClean="0">
+          <a:bodyPr>
+            <a:normAutofit/>
+          </a:bodyPr>
+          <a:lstStyle/>
+          <a:p>
+            <a:r>
+              <a:rPr lang="zh-TW" altLang="en-US" sz="4000" b="1" dirty="0">
                 <a:solidFill>
                   <a:srgbClr val="000066"/>
                 </a:solidFill>
@@ -3890,7 +3898,7 @@
               </a:rPr>
               <a:t>美哉主耶穌</a:t>
             </a:r>
-            <a:endParaRPr lang="zh-TW" altLang="en-US" b="1" dirty="0">
+            <a:endParaRPr lang="zh-TW" altLang="en-US" sz="4000" b="1" dirty="0">
               <a:solidFill>
                 <a:srgbClr val="000066"/>
               </a:solidFill>
@@ -3913,7 +3921,7 @@
         <p:spPr/>
         <p:txBody>
           <a:bodyPr>
-            <a:normAutofit/>
+            <a:noAutofit/>
           </a:bodyPr>
           <a:lstStyle/>
           <a:p>
@@ -3921,7 +3929,7 @@
               <a:buNone/>
             </a:pPr>
             <a:r>
-              <a:rPr lang="zh-TW" altLang="en-US" sz="5400" b="1" dirty="0">
+              <a:rPr lang="zh-TW" altLang="en-US" sz="4800" b="1" dirty="0">
                 <a:solidFill>
                   <a:srgbClr val="000066"/>
                 </a:solidFill>
@@ -3931,7 +3939,7 @@
               <a:t>榮美的</a:t>
             </a:r>
             <a:r>
-              <a:rPr lang="zh-TW" altLang="en-US" sz="5400" b="1" dirty="0" smtClean="0">
+              <a:rPr lang="zh-TW" altLang="en-US" sz="4800" b="1" dirty="0">
                 <a:solidFill>
                   <a:srgbClr val="000066"/>
                 </a:solidFill>
@@ -3941,7 +3949,7 @@
               <a:t>救主  統</a:t>
             </a:r>
             <a:r>
-              <a:rPr lang="zh-TW" altLang="en-US" sz="5400" b="1" dirty="0">
+              <a:rPr lang="zh-TW" altLang="en-US" sz="4800" b="1" dirty="0">
                 <a:solidFill>
                   <a:srgbClr val="000066"/>
                 </a:solidFill>
@@ -3951,7 +3959,7 @@
               <a:t>管萬國萬</a:t>
             </a:r>
             <a:r>
-              <a:rPr lang="zh-TW" altLang="en-US" sz="5400" b="1" dirty="0" smtClean="0">
+              <a:rPr lang="zh-TW" altLang="en-US" sz="4800" b="1" dirty="0">
                 <a:solidFill>
                   <a:srgbClr val="000066"/>
                 </a:solidFill>
@@ -3960,7 +3968,7 @@
               </a:rPr>
               <a:t>民</a:t>
             </a:r>
-            <a:endParaRPr lang="en-US" altLang="zh-TW" sz="5400" b="1" dirty="0" smtClean="0">
+            <a:endParaRPr lang="en-US" altLang="zh-TW" sz="4800" b="1" dirty="0">
               <a:solidFill>
                 <a:srgbClr val="000066"/>
               </a:solidFill>
@@ -3973,7 +3981,7 @@
               <a:buNone/>
             </a:pPr>
             <a:r>
-              <a:rPr lang="zh-TW" altLang="en-US" sz="5400" b="1" dirty="0" smtClean="0">
+              <a:rPr lang="zh-TW" altLang="en-US" sz="4800" b="1" dirty="0">
                 <a:solidFill>
                   <a:srgbClr val="000066"/>
                 </a:solidFill>
@@ -3983,7 +3991,7 @@
               <a:t>祂</a:t>
             </a:r>
             <a:r>
-              <a:rPr lang="zh-TW" altLang="en-US" sz="5400" b="1" dirty="0">
+              <a:rPr lang="zh-TW" altLang="en-US" sz="4800" b="1" dirty="0">
                 <a:solidFill>
                   <a:srgbClr val="000066"/>
                 </a:solidFill>
@@ -3993,7 +4001,7 @@
               <a:t>是神子又是</a:t>
             </a:r>
             <a:r>
-              <a:rPr lang="zh-TW" altLang="en-US" sz="5400" b="1" dirty="0" smtClean="0">
+              <a:rPr lang="zh-TW" altLang="en-US" sz="4800" b="1" dirty="0">
                 <a:solidFill>
                   <a:srgbClr val="000066"/>
                 </a:solidFill>
@@ -4002,7 +4010,7 @@
               </a:rPr>
               <a:t>人子</a:t>
             </a:r>
-            <a:endParaRPr lang="en-US" altLang="zh-TW" sz="5400" b="1" dirty="0">
+            <a:endParaRPr lang="en-US" altLang="zh-TW" sz="4800" b="1" dirty="0">
               <a:solidFill>
                 <a:srgbClr val="000066"/>
               </a:solidFill>
@@ -4015,7 +4023,7 @@
               <a:buNone/>
             </a:pPr>
             <a:r>
-              <a:rPr lang="zh-TW" altLang="en-US" sz="5400" b="1" dirty="0" smtClean="0">
+              <a:rPr lang="zh-TW" altLang="en-US" sz="4800" b="1" dirty="0">
                 <a:solidFill>
                   <a:srgbClr val="000066"/>
                 </a:solidFill>
@@ -4025,7 +4033,7 @@
               <a:t>榮耀</a:t>
             </a:r>
             <a:r>
-              <a:rPr lang="zh-TW" altLang="en-US" sz="5400" b="1" dirty="0">
+              <a:rPr lang="zh-TW" altLang="en-US" sz="4800" b="1" dirty="0">
                 <a:solidFill>
                   <a:srgbClr val="000066"/>
                 </a:solidFill>
@@ -4035,7 +4043,7 @@
               <a:t>與</a:t>
             </a:r>
             <a:r>
-              <a:rPr lang="zh-TW" altLang="en-US" sz="5400" b="1" dirty="0" smtClean="0">
+              <a:rPr lang="zh-TW" altLang="en-US" sz="4800" b="1" dirty="0">
                 <a:solidFill>
                   <a:srgbClr val="000066"/>
                 </a:solidFill>
@@ -4045,7 +4053,7 @@
               <a:t>尊貴  頌讚</a:t>
             </a:r>
             <a:r>
-              <a:rPr lang="zh-TW" altLang="en-US" sz="5400" b="1" dirty="0">
+              <a:rPr lang="zh-TW" altLang="en-US" sz="4800" b="1" dirty="0">
                 <a:solidFill>
                   <a:srgbClr val="000066"/>
                 </a:solidFill>
@@ -4055,7 +4063,7 @@
               <a:t>與</a:t>
             </a:r>
             <a:r>
-              <a:rPr lang="zh-TW" altLang="en-US" sz="5400" b="1" dirty="0" smtClean="0">
+              <a:rPr lang="zh-TW" altLang="en-US" sz="4800" b="1" dirty="0">
                 <a:solidFill>
                   <a:srgbClr val="000066"/>
                 </a:solidFill>
@@ -4064,7 +4072,7 @@
               </a:rPr>
               <a:t>崇敬</a:t>
             </a:r>
-            <a:endParaRPr lang="en-US" altLang="zh-TW" sz="5400" b="1" dirty="0" smtClean="0">
+            <a:endParaRPr lang="en-US" altLang="zh-TW" sz="4800" b="1" dirty="0">
               <a:solidFill>
                 <a:srgbClr val="000066"/>
               </a:solidFill>
@@ -4077,7 +4085,7 @@
               <a:buNone/>
             </a:pPr>
             <a:r>
-              <a:rPr lang="zh-TW" altLang="en-US" sz="5400" b="1" dirty="0" smtClean="0">
+              <a:rPr lang="zh-TW" altLang="en-US" sz="4800" b="1" dirty="0">
                 <a:solidFill>
                   <a:srgbClr val="000066"/>
                 </a:solidFill>
@@ -4087,7 +4095,7 @@
               <a:t>都</a:t>
             </a:r>
             <a:r>
-              <a:rPr lang="zh-TW" altLang="en-US" sz="5400" b="1" dirty="0">
+              <a:rPr lang="zh-TW" altLang="en-US" sz="4800" b="1" dirty="0">
                 <a:solidFill>
                   <a:srgbClr val="000066"/>
                 </a:solidFill>
